--- a/057_ReinforcemetGym.pptx
+++ b/057_ReinforcemetGym.pptx
@@ -240,7 +240,7 @@
             <a:fld id="{6837EDA8-41C8-4B24-A206-13C08A65A6D7}" type="datetimeFigureOut">
               <a:rPr lang="zh-TW" altLang="en-US" smtClean="0"/>
               <a:pPr/>
-              <a:t>2020/9/5</a:t>
+              <a:t>2020/9/6</a:t>
             </a:fld>
             <a:endParaRPr lang="zh-TW" altLang="en-US"/>
           </a:p>
@@ -693,7 +693,7 @@
             <a:fld id="{8B85509C-BD4F-47BF-9B1E-FC2E949B3621}" type="datetime1">
               <a:rPr lang="zh-TW" altLang="en-US" smtClean="0"/>
               <a:pPr/>
-              <a:t>2020/9/5</a:t>
+              <a:t>2020/9/6</a:t>
             </a:fld>
             <a:endParaRPr lang="zh-TW" altLang="en-US"/>
           </a:p>
@@ -866,7 +866,7 @@
             <a:fld id="{42251B24-F787-4C15-8A0F-7AEC20C70069}" type="datetime1">
               <a:rPr lang="zh-TW" altLang="en-US" smtClean="0"/>
               <a:pPr/>
-              <a:t>2020/9/5</a:t>
+              <a:t>2020/9/6</a:t>
             </a:fld>
             <a:endParaRPr lang="zh-TW" altLang="en-US"/>
           </a:p>
@@ -1041,7 +1041,7 @@
             <a:fld id="{9CA0D33C-CE2B-45F1-B8D4-FFD1F131F331}" type="datetime1">
               <a:rPr lang="zh-TW" altLang="en-US" smtClean="0"/>
               <a:pPr/>
-              <a:t>2020/9/5</a:t>
+              <a:t>2020/9/6</a:t>
             </a:fld>
             <a:endParaRPr lang="zh-TW" altLang="en-US"/>
           </a:p>
@@ -1206,7 +1206,7 @@
             <a:fld id="{50B99440-D9EF-40CC-9B52-F6428D9B2C76}" type="datetime1">
               <a:rPr lang="zh-TW" altLang="en-US" smtClean="0"/>
               <a:pPr/>
-              <a:t>2020/9/5</a:t>
+              <a:t>2020/9/6</a:t>
             </a:fld>
             <a:endParaRPr lang="zh-TW" altLang="en-US"/>
           </a:p>
@@ -1448,7 +1448,7 @@
             <a:fld id="{0871BF52-5C6C-4959-8E27-CECB68D39FE4}" type="datetime1">
               <a:rPr lang="zh-TW" altLang="en-US" smtClean="0"/>
               <a:pPr/>
-              <a:t>2020/9/5</a:t>
+              <a:t>2020/9/6</a:t>
             </a:fld>
             <a:endParaRPr lang="zh-TW" altLang="en-US"/>
           </a:p>
@@ -1730,7 +1730,7 @@
             <a:fld id="{DF863F05-2DD9-4EB1-A827-12FD992DE9DC}" type="datetime1">
               <a:rPr lang="zh-TW" altLang="en-US" smtClean="0"/>
               <a:pPr/>
-              <a:t>2020/9/5</a:t>
+              <a:t>2020/9/6</a:t>
             </a:fld>
             <a:endParaRPr lang="zh-TW" altLang="en-US"/>
           </a:p>
@@ -2146,7 +2146,7 @@
             <a:fld id="{6339AF51-4491-4873-A096-75DB6CE47516}" type="datetime1">
               <a:rPr lang="zh-TW" altLang="en-US" smtClean="0"/>
               <a:pPr/>
-              <a:t>2020/9/5</a:t>
+              <a:t>2020/9/6</a:t>
             </a:fld>
             <a:endParaRPr lang="zh-TW" altLang="en-US"/>
           </a:p>
@@ -2260,7 +2260,7 @@
             <a:fld id="{EE4AD9C8-8B9E-40FF-ABE2-858AC2057BBB}" type="datetime1">
               <a:rPr lang="zh-TW" altLang="en-US" smtClean="0"/>
               <a:pPr/>
-              <a:t>2020/9/5</a:t>
+              <a:t>2020/9/6</a:t>
             </a:fld>
             <a:endParaRPr lang="zh-TW" altLang="en-US"/>
           </a:p>
@@ -2352,7 +2352,7 @@
             <a:fld id="{B4784999-BBBE-4BE4-A8D0-877E7D1D66CC}" type="datetime1">
               <a:rPr lang="zh-TW" altLang="en-US" smtClean="0"/>
               <a:pPr/>
-              <a:t>2020/9/5</a:t>
+              <a:t>2020/9/6</a:t>
             </a:fld>
             <a:endParaRPr lang="zh-TW" altLang="en-US"/>
           </a:p>
@@ -2624,7 +2624,7 @@
             <a:fld id="{E88D17E6-02BD-4944-B9FE-7BFCCBF83D48}" type="datetime1">
               <a:rPr lang="zh-TW" altLang="en-US" smtClean="0"/>
               <a:pPr/>
-              <a:t>2020/9/5</a:t>
+              <a:t>2020/9/6</a:t>
             </a:fld>
             <a:endParaRPr lang="zh-TW" altLang="en-US"/>
           </a:p>
@@ -2873,7 +2873,7 @@
             <a:fld id="{3C13E23D-1FEF-4D78-A3A3-3D6F2BB31954}" type="datetime1">
               <a:rPr lang="zh-TW" altLang="en-US" smtClean="0"/>
               <a:pPr/>
-              <a:t>2020/9/5</a:t>
+              <a:t>2020/9/6</a:t>
             </a:fld>
             <a:endParaRPr lang="zh-TW" altLang="en-US"/>
           </a:p>
@@ -3081,7 +3081,7 @@
             <a:fld id="{06197F35-AD6F-4594-8B50-334492D2E7E8}" type="datetime1">
               <a:rPr lang="zh-TW" altLang="en-US" smtClean="0"/>
               <a:pPr/>
-              <a:t>2020/9/5</a:t>
+              <a:t>2020/9/6</a:t>
             </a:fld>
             <a:endParaRPr lang="zh-TW" altLang="en-US"/>
           </a:p>
@@ -3484,7 +3484,7 @@
                   <a:srgbClr val="FFFF00"/>
                 </a:solidFill>
               </a:rPr>
-              <a:t>56 Reinforcement Learning with Gym</a:t>
+              <a:t>57 Reinforcement Learning with Gym</a:t>
             </a:r>
             <a:endParaRPr lang="zh-TW" altLang="en-US" sz="4800" b="1" dirty="0">
               <a:solidFill>
@@ -3542,7 +3542,7 @@
             <a:fld id="{C389EDC9-19E3-47AC-9C57-C6A24DEA81AD}" type="datetime1">
               <a:rPr lang="zh-TW" altLang="en-US" smtClean="0"/>
               <a:pPr/>
-              <a:t>2020/9/5</a:t>
+              <a:t>2020/9/6</a:t>
             </a:fld>
             <a:endParaRPr lang="zh-TW" altLang="en-US"/>
           </a:p>
@@ -3682,7 +3682,7 @@
                   <a:srgbClr val="FFFF00"/>
                 </a:solidFill>
               </a:rPr>
-              <a:t>56.1 Make Taxi Environment </a:t>
+              <a:t>57.1 Make Taxi Environment </a:t>
             </a:r>
             <a:endParaRPr lang="zh-TW" altLang="en-US" b="1" dirty="0">
               <a:solidFill>
@@ -3991,7 +3991,7 @@
                   <a:srgbClr val="FFFF00"/>
                 </a:solidFill>
               </a:rPr>
-              <a:t>56.1 Define Initial State</a:t>
+              <a:t>57.1 Define Initial State</a:t>
             </a:r>
             <a:endParaRPr lang="zh-TW" altLang="en-US" sz="4800" b="1" dirty="0">
               <a:solidFill>
@@ -4019,7 +4019,7 @@
             <a:fld id="{C389EDC9-19E3-47AC-9C57-C6A24DEA81AD}" type="datetime1">
               <a:rPr lang="zh-TW" altLang="en-US" smtClean="0"/>
               <a:pPr/>
-              <a:t>2020/9/5</a:t>
+              <a:t>2020/9/6</a:t>
             </a:fld>
             <a:endParaRPr lang="zh-TW" altLang="en-US"/>
           </a:p>
@@ -4164,7 +4164,7 @@
                   <a:srgbClr val="FFFF00"/>
                 </a:solidFill>
               </a:rPr>
-              <a:t>56.1 Make Environment</a:t>
+              <a:t>57.1 Make Environment</a:t>
             </a:r>
             <a:endParaRPr lang="zh-TW" altLang="en-US" b="1" dirty="0">
               <a:solidFill>
@@ -4336,7 +4336,7 @@
             <a:fld id="{A4F910E6-8D00-4BAF-8C48-9688E0B449D3}" type="datetime1">
               <a:rPr lang="zh-TW" altLang="en-US" smtClean="0"/>
               <a:pPr/>
-              <a:t>2020/9/5</a:t>
+              <a:t>2020/9/6</a:t>
             </a:fld>
             <a:endParaRPr lang="zh-TW" altLang="en-US"/>
           </a:p>
@@ -4931,7 +4931,7 @@
                   <a:srgbClr val="FFFF00"/>
                 </a:solidFill>
               </a:rPr>
-              <a:t>56.1 Make Environment</a:t>
+              <a:t>57.1 Make Environment</a:t>
             </a:r>
             <a:endParaRPr lang="zh-TW" altLang="en-US" b="1" dirty="0">
               <a:solidFill>
@@ -5103,7 +5103,7 @@
             <a:fld id="{A4F910E6-8D00-4BAF-8C48-9688E0B449D3}" type="datetime1">
               <a:rPr lang="zh-TW" altLang="en-US" smtClean="0"/>
               <a:pPr/>
-              <a:t>2020/9/5</a:t>
+              <a:t>2020/9/6</a:t>
             </a:fld>
             <a:endParaRPr lang="zh-TW" altLang="en-US"/>
           </a:p>
@@ -5709,7 +5709,7 @@
                   <a:srgbClr val="FFFF00"/>
                 </a:solidFill>
               </a:rPr>
-              <a:t>56.2 Define Reward Table</a:t>
+              <a:t>57.2 Define Reward Table</a:t>
             </a:r>
             <a:endParaRPr lang="zh-TW" altLang="en-US" sz="4800" b="1" dirty="0">
               <a:solidFill>
@@ -5737,7 +5737,7 @@
             <a:fld id="{C389EDC9-19E3-47AC-9C57-C6A24DEA81AD}" type="datetime1">
               <a:rPr lang="zh-TW" altLang="en-US" smtClean="0"/>
               <a:pPr/>
-              <a:t>2020/9/5</a:t>
+              <a:t>2020/9/6</a:t>
             </a:fld>
             <a:endParaRPr lang="zh-TW" altLang="en-US"/>
           </a:p>
@@ -5882,7 +5882,7 @@
                   <a:srgbClr val="FFFF00"/>
                 </a:solidFill>
               </a:rPr>
-              <a:t>56.2 Define Reward Table</a:t>
+              <a:t>57.2 Define Reward Table</a:t>
             </a:r>
             <a:endParaRPr lang="zh-TW" altLang="en-US" b="1" dirty="0">
               <a:solidFill>
@@ -6117,7 +6117,7 @@
             <a:fld id="{A4F910E6-8D00-4BAF-8C48-9688E0B449D3}" type="datetime1">
               <a:rPr lang="zh-TW" altLang="en-US" smtClean="0"/>
               <a:pPr/>
-              <a:t>2020/9/5</a:t>
+              <a:t>2020/9/6</a:t>
             </a:fld>
             <a:endParaRPr lang="zh-TW" altLang="en-US"/>
           </a:p>
@@ -7361,7 +7361,7 @@
                   <a:srgbClr val="FFFF00"/>
                 </a:solidFill>
               </a:rPr>
-              <a:t>56.2 Define Reward Table</a:t>
+              <a:t>57.2 Define Reward Table</a:t>
             </a:r>
             <a:endParaRPr lang="zh-TW" altLang="en-US" b="1" dirty="0">
               <a:solidFill>
@@ -7533,7 +7533,7 @@
             <a:fld id="{A4F910E6-8D00-4BAF-8C48-9688E0B449D3}" type="datetime1">
               <a:rPr lang="zh-TW" altLang="en-US" smtClean="0"/>
               <a:pPr/>
-              <a:t>2020/9/5</a:t>
+              <a:t>2020/9/6</a:t>
             </a:fld>
             <a:endParaRPr lang="zh-TW" altLang="en-US"/>
           </a:p>
@@ -8823,7 +8823,7 @@
                   <a:srgbClr val="FFFF00"/>
                 </a:solidFill>
               </a:rPr>
-              <a:t>56.3 Perform Q-Learning</a:t>
+              <a:t>57.3 Perform Q-Learning</a:t>
             </a:r>
             <a:endParaRPr lang="zh-TW" altLang="en-US" sz="4800" b="1" dirty="0">
               <a:solidFill>
@@ -8851,7 +8851,7 @@
             <a:fld id="{C389EDC9-19E3-47AC-9C57-C6A24DEA81AD}" type="datetime1">
               <a:rPr lang="zh-TW" altLang="en-US" smtClean="0"/>
               <a:pPr/>
-              <a:t>2020/9/5</a:t>
+              <a:t>2020/9/6</a:t>
             </a:fld>
             <a:endParaRPr lang="zh-TW" altLang="en-US"/>
           </a:p>
@@ -8996,7 +8996,7 @@
                   <a:srgbClr val="FFFF00"/>
                 </a:solidFill>
               </a:rPr>
-              <a:t>56.3 Perform Q-Learning</a:t>
+              <a:t>57.3 Perform Q-Learning</a:t>
             </a:r>
             <a:endParaRPr lang="zh-TW" altLang="en-US" b="1" dirty="0">
               <a:solidFill>
@@ -9186,7 +9186,7 @@
             <a:fld id="{A4F910E6-8D00-4BAF-8C48-9688E0B449D3}" type="datetime1">
               <a:rPr lang="zh-TW" altLang="en-US" smtClean="0"/>
               <a:pPr/>
-              <a:t>2020/9/5</a:t>
+              <a:t>2020/9/6</a:t>
             </a:fld>
             <a:endParaRPr lang="zh-TW" altLang="en-US"/>
           </a:p>
@@ -9548,7 +9548,7 @@
                   <a:srgbClr val="FFFF00"/>
                 </a:solidFill>
               </a:rPr>
-              <a:t>56.3 Perform Q-Learning</a:t>
+              <a:t>57.3 Perform Q-Learning</a:t>
             </a:r>
             <a:endParaRPr lang="zh-TW" altLang="en-US" b="1" dirty="0">
               <a:solidFill>
@@ -9720,7 +9720,7 @@
             <a:fld id="{A4F910E6-8D00-4BAF-8C48-9688E0B449D3}" type="datetime1">
               <a:rPr lang="zh-TW" altLang="en-US" smtClean="0"/>
               <a:pPr/>
-              <a:t>2020/9/5</a:t>
+              <a:t>2020/9/6</a:t>
             </a:fld>
             <a:endParaRPr lang="zh-TW" altLang="en-US"/>
           </a:p>
@@ -9910,7 +9910,7 @@
                   <a:srgbClr val="FFFF00"/>
                 </a:solidFill>
               </a:rPr>
-              <a:t>56 Reinforcement Learning with Gym</a:t>
+              <a:t>57 Reinforcement Learning with Gym</a:t>
             </a:r>
             <a:endParaRPr lang="zh-TW" altLang="en-US" b="1" dirty="0">
               <a:solidFill>
@@ -10128,7 +10128,7 @@
             <a:fld id="{A4F910E6-8D00-4BAF-8C48-9688E0B449D3}" type="datetime1">
               <a:rPr lang="zh-TW" altLang="en-US" smtClean="0"/>
               <a:pPr/>
-              <a:t>2020/9/5</a:t>
+              <a:t>2020/9/6</a:t>
             </a:fld>
             <a:endParaRPr lang="zh-TW" altLang="en-US"/>
           </a:p>
@@ -10278,7 +10278,7 @@
                   <a:srgbClr val="FFFF00"/>
                 </a:solidFill>
               </a:rPr>
-              <a:t>56.3 Perform Q-Learning</a:t>
+              <a:t>57.3 Perform Q-Learning</a:t>
             </a:r>
             <a:endParaRPr lang="zh-TW" altLang="en-US" b="1" dirty="0">
               <a:solidFill>
@@ -10468,7 +10468,7 @@
             <a:fld id="{A4F910E6-8D00-4BAF-8C48-9688E0B449D3}" type="datetime1">
               <a:rPr lang="zh-TW" altLang="en-US" smtClean="0"/>
               <a:pPr/>
-              <a:t>2020/9/5</a:t>
+              <a:t>2020/9/6</a:t>
             </a:fld>
             <a:endParaRPr lang="zh-TW" altLang="en-US"/>
           </a:p>
@@ -10693,7 +10693,7 @@
                   <a:srgbClr val="FFFF00"/>
                 </a:solidFill>
               </a:rPr>
-              <a:t>56.3 Perform Q-Learning</a:t>
+              <a:t>57.3 Perform Q-Learning</a:t>
             </a:r>
             <a:endParaRPr lang="zh-TW" altLang="en-US" b="1" dirty="0">
               <a:solidFill>
@@ -10899,7 +10899,7 @@
             <a:fld id="{A4F910E6-8D00-4BAF-8C48-9688E0B449D3}" type="datetime1">
               <a:rPr lang="zh-TW" altLang="en-US" smtClean="0"/>
               <a:pPr/>
-              <a:t>2020/9/5</a:t>
+              <a:t>2020/9/6</a:t>
             </a:fld>
             <a:endParaRPr lang="zh-TW" altLang="en-US"/>
           </a:p>
@@ -11047,7 +11047,7 @@
                   <a:srgbClr val="FFFF00"/>
                 </a:solidFill>
               </a:rPr>
-              <a:t>56.4 Q-Table</a:t>
+              <a:t>57.4 Q-Table</a:t>
             </a:r>
             <a:endParaRPr lang="zh-TW" altLang="en-US" sz="4800" b="1" dirty="0">
               <a:solidFill>
@@ -11075,7 +11075,7 @@
             <a:fld id="{C389EDC9-19E3-47AC-9C57-C6A24DEA81AD}" type="datetime1">
               <a:rPr lang="zh-TW" altLang="en-US" smtClean="0"/>
               <a:pPr/>
-              <a:t>2020/9/5</a:t>
+              <a:t>2020/9/6</a:t>
             </a:fld>
             <a:endParaRPr lang="zh-TW" altLang="en-US"/>
           </a:p>
@@ -11220,7 +11220,7 @@
                   <a:srgbClr val="FFFF00"/>
                 </a:solidFill>
               </a:rPr>
-              <a:t>56.4 Q-Table</a:t>
+              <a:t>57.4 Q-Table</a:t>
             </a:r>
             <a:endParaRPr lang="zh-TW" altLang="en-US" b="1" dirty="0">
               <a:solidFill>
@@ -11399,7 +11399,7 @@
             <a:fld id="{A4F910E6-8D00-4BAF-8C48-9688E0B449D3}" type="datetime1">
               <a:rPr lang="zh-TW" altLang="en-US" smtClean="0"/>
               <a:pPr/>
-              <a:t>2020/9/5</a:t>
+              <a:t>2020/9/6</a:t>
             </a:fld>
             <a:endParaRPr lang="zh-TW" altLang="en-US"/>
           </a:p>
@@ -11554,7 +11554,7 @@
                   <a:srgbClr val="FFFF00"/>
                 </a:solidFill>
               </a:rPr>
-              <a:t>56.4 Q-Table</a:t>
+              <a:t>57.4 Q-Table</a:t>
             </a:r>
             <a:endParaRPr lang="zh-TW" altLang="en-US" b="1" dirty="0">
               <a:solidFill>
@@ -11753,7 +11753,7 @@
             <a:fld id="{A4F910E6-8D00-4BAF-8C48-9688E0B449D3}" type="datetime1">
               <a:rPr lang="zh-TW" altLang="en-US" smtClean="0"/>
               <a:pPr/>
-              <a:t>2020/9/5</a:t>
+              <a:t>2020/9/6</a:t>
             </a:fld>
             <a:endParaRPr lang="zh-TW" altLang="en-US"/>
           </a:p>
@@ -11919,7 +11919,7 @@
                   <a:srgbClr val="FFFF00"/>
                 </a:solidFill>
               </a:rPr>
-              <a:t>56.5 Q-Learning Simulation</a:t>
+              <a:t>57.5 Q-Learning Simulation</a:t>
             </a:r>
             <a:endParaRPr lang="zh-TW" altLang="en-US" sz="4800" b="1" dirty="0">
               <a:solidFill>
@@ -11947,7 +11947,7 @@
             <a:fld id="{C389EDC9-19E3-47AC-9C57-C6A24DEA81AD}" type="datetime1">
               <a:rPr lang="zh-TW" altLang="en-US" smtClean="0"/>
               <a:pPr/>
-              <a:t>2020/9/5</a:t>
+              <a:t>2020/9/6</a:t>
             </a:fld>
             <a:endParaRPr lang="zh-TW" altLang="en-US"/>
           </a:p>
@@ -12092,7 +12092,7 @@
                   <a:srgbClr val="FFFF00"/>
                 </a:solidFill>
               </a:rPr>
-              <a:t>56.5 Q-Learning Simulation</a:t>
+              <a:t>57.5 Q-Learning Simulation</a:t>
             </a:r>
             <a:endParaRPr lang="zh-TW" altLang="en-US" b="1" dirty="0">
               <a:solidFill>
@@ -12269,7 +12269,7 @@
             <a:fld id="{A4F910E6-8D00-4BAF-8C48-9688E0B449D3}" type="datetime1">
               <a:rPr lang="zh-TW" altLang="en-US" smtClean="0"/>
               <a:pPr/>
-              <a:t>2020/9/5</a:t>
+              <a:t>2020/9/6</a:t>
             </a:fld>
             <a:endParaRPr lang="zh-TW" altLang="en-US"/>
           </a:p>
@@ -12459,7 +12459,7 @@
                   <a:srgbClr val="FFFF00"/>
                 </a:solidFill>
               </a:rPr>
-              <a:t>56.5 Action</a:t>
+              <a:t>57.5 Action</a:t>
             </a:r>
             <a:endParaRPr lang="zh-TW" altLang="en-US" b="1" dirty="0">
               <a:solidFill>
@@ -12567,7 +12567,7 @@
             <a:fld id="{A4F910E6-8D00-4BAF-8C48-9688E0B449D3}" type="datetime1">
               <a:rPr lang="zh-TW" altLang="en-US" smtClean="0"/>
               <a:pPr/>
-              <a:t>2020/9/5</a:t>
+              <a:t>2020/9/6</a:t>
             </a:fld>
             <a:endParaRPr lang="zh-TW" altLang="en-US"/>
           </a:p>
@@ -12833,7 +12833,7 @@
                   <a:srgbClr val="FFFF00"/>
                 </a:solidFill>
               </a:rPr>
-              <a:t>56.6 Exercise</a:t>
+              <a:t>57.6 Exercise</a:t>
             </a:r>
             <a:endParaRPr lang="zh-TW" altLang="en-US" sz="4800" b="1" dirty="0">
               <a:solidFill>
@@ -12861,7 +12861,7 @@
             <a:fld id="{C389EDC9-19E3-47AC-9C57-C6A24DEA81AD}" type="datetime1">
               <a:rPr lang="zh-TW" altLang="en-US" smtClean="0"/>
               <a:pPr/>
-              <a:t>2020/9/5</a:t>
+              <a:t>2020/9/6</a:t>
             </a:fld>
             <a:endParaRPr lang="zh-TW" altLang="en-US"/>
           </a:p>
@@ -13006,7 +13006,7 @@
                   <a:srgbClr val="FFFF00"/>
                 </a:solidFill>
               </a:rPr>
-              <a:t>56.6 Exercise</a:t>
+              <a:t>57.6 Exercise</a:t>
             </a:r>
             <a:endParaRPr lang="zh-TW" altLang="en-US" b="1" dirty="0">
               <a:solidFill>
@@ -13289,7 +13289,7 @@
             <a:fld id="{A4F910E6-8D00-4BAF-8C48-9688E0B449D3}" type="datetime1">
               <a:rPr lang="zh-TW" altLang="en-US" smtClean="0"/>
               <a:pPr/>
-              <a:t>2020/9/5</a:t>
+              <a:t>2020/9/6</a:t>
             </a:fld>
             <a:endParaRPr lang="zh-TW" altLang="en-US"/>
           </a:p>
@@ -13385,7 +13385,7 @@
                   <a:srgbClr val="FFFF00"/>
                 </a:solidFill>
               </a:rPr>
-              <a:t>56.1 Make Taxi Environment </a:t>
+              <a:t>57.1 Make Taxi Environment </a:t>
             </a:r>
             <a:endParaRPr lang="zh-TW" altLang="en-US" sz="4800" b="1" dirty="0">
               <a:solidFill>
@@ -13397,36 +13397,6 @@
       </p:sp>
       <p:sp>
         <p:nvSpPr>
-          <p:cNvPr id="3" name="副標題 2"/>
-          <p:cNvSpPr>
-            <a:spLocks noGrp="1"/>
-          </p:cNvSpPr>
-          <p:nvPr>
-            <p:ph type="subTitle" idx="1"/>
-          </p:nvPr>
-        </p:nvSpPr>
-        <p:spPr>
-          <a:xfrm>
-            <a:off x="1259632" y="4581128"/>
-            <a:ext cx="6400800" cy="694928"/>
-          </a:xfrm>
-        </p:spPr>
-        <p:txBody>
-          <a:bodyPr>
-            <a:normAutofit/>
-          </a:bodyPr>
-          <a:lstStyle/>
-          <a:p>
-            <a:r>
-              <a:rPr lang="en-US" altLang="zh-TW" dirty="0"/>
-              <a:t>Peter H. Chen</a:t>
-            </a:r>
-            <a:endParaRPr lang="zh-TW" altLang="en-US" dirty="0"/>
-          </a:p>
-        </p:txBody>
-      </p:sp>
-      <p:sp>
-        <p:nvSpPr>
           <p:cNvPr id="5" name="日期版面配置區 4"/>
           <p:cNvSpPr>
             <a:spLocks noGrp="1"/>
@@ -13443,7 +13413,7 @@
             <a:fld id="{C389EDC9-19E3-47AC-9C57-C6A24DEA81AD}" type="datetime1">
               <a:rPr lang="zh-TW" altLang="en-US" smtClean="0"/>
               <a:pPr/>
-              <a:t>2020/9/5</a:t>
+              <a:t>2020/9/6</a:t>
             </a:fld>
             <a:endParaRPr lang="zh-TW" altLang="en-US"/>
           </a:p>
@@ -13588,7 +13558,7 @@
                   <a:srgbClr val="FFFF00"/>
                 </a:solidFill>
               </a:rPr>
-              <a:t>56.6 Exercise</a:t>
+              <a:t>57.6 Exercise</a:t>
             </a:r>
             <a:endParaRPr lang="zh-TW" altLang="en-US" b="1" dirty="0">
               <a:solidFill>
@@ -13771,7 +13741,7 @@
             <a:fld id="{A4F910E6-8D00-4BAF-8C48-9688E0B449D3}" type="datetime1">
               <a:rPr lang="zh-TW" altLang="en-US" smtClean="0"/>
               <a:pPr/>
-              <a:t>2020/9/5</a:t>
+              <a:t>2020/9/6</a:t>
             </a:fld>
             <a:endParaRPr lang="zh-TW" altLang="en-US"/>
           </a:p>
@@ -14065,7 +14035,7 @@
                   <a:srgbClr val="FFFF00"/>
                 </a:solidFill>
               </a:rPr>
-              <a:t>56.6 Exercise</a:t>
+              <a:t>57.6 Exercise</a:t>
             </a:r>
             <a:endParaRPr lang="zh-TW" altLang="en-US" b="1" dirty="0">
               <a:solidFill>
@@ -14238,7 +14208,7 @@
             <a:fld id="{A4F910E6-8D00-4BAF-8C48-9688E0B449D3}" type="datetime1">
               <a:rPr lang="zh-TW" altLang="en-US" smtClean="0"/>
               <a:pPr/>
-              <a:t>2020/9/5</a:t>
+              <a:t>2020/9/6</a:t>
             </a:fld>
             <a:endParaRPr lang="zh-TW" altLang="en-US"/>
           </a:p>
@@ -14420,7 +14390,7 @@
             <a:fld id="{4E46BE27-E923-4EC2-B046-3272AE2A3E5C}" type="datetime1">
               <a:rPr lang="zh-TW" altLang="en-US" smtClean="0"/>
               <a:pPr/>
-              <a:t>2020/9/5</a:t>
+              <a:t>2020/9/6</a:t>
             </a:fld>
             <a:endParaRPr lang="zh-TW" altLang="en-US"/>
           </a:p>
@@ -14530,7 +14500,7 @@
                   <a:srgbClr val="FFFF00"/>
                 </a:solidFill>
               </a:rPr>
-              <a:t>56.1 Make Taxi Environment </a:t>
+              <a:t>57.1 Make Taxi Environment </a:t>
             </a:r>
             <a:endParaRPr lang="zh-TW" altLang="en-US" b="1" dirty="0">
               <a:solidFill>
@@ -14810,7 +14780,7 @@
             <a:fld id="{A4F910E6-8D00-4BAF-8C48-9688E0B449D3}" type="datetime1">
               <a:rPr lang="zh-TW" altLang="en-US" smtClean="0"/>
               <a:pPr/>
-              <a:t>2020/9/5</a:t>
+              <a:t>2020/9/6</a:t>
             </a:fld>
             <a:endParaRPr lang="zh-TW" altLang="en-US"/>
           </a:p>
@@ -14930,7 +14900,7 @@
                   <a:srgbClr val="FFFF00"/>
                 </a:solidFill>
               </a:rPr>
-              <a:t>56.1 Make Taxi Environment </a:t>
+              <a:t>57.1 Make Taxi Environment </a:t>
             </a:r>
             <a:endParaRPr lang="zh-TW" altLang="en-US" b="1" dirty="0">
               <a:solidFill>
@@ -15192,7 +15162,7 @@
             <a:fld id="{A4F910E6-8D00-4BAF-8C48-9688E0B449D3}" type="datetime1">
               <a:rPr lang="zh-TW" altLang="en-US" smtClean="0"/>
               <a:pPr/>
-              <a:t>2020/9/5</a:t>
+              <a:t>2020/9/6</a:t>
             </a:fld>
             <a:endParaRPr lang="zh-TW" altLang="en-US"/>
           </a:p>
@@ -15347,7 +15317,7 @@
                   <a:srgbClr val="FFFF00"/>
                 </a:solidFill>
               </a:rPr>
-              <a:t>56.1 Make Taxi Environment </a:t>
+              <a:t>57.1 Make Taxi Environment </a:t>
             </a:r>
             <a:endParaRPr lang="zh-TW" altLang="en-US" b="1" dirty="0">
               <a:solidFill>
@@ -15609,7 +15579,7 @@
             <a:fld id="{A4F910E6-8D00-4BAF-8C48-9688E0B449D3}" type="datetime1">
               <a:rPr lang="zh-TW" altLang="en-US" smtClean="0"/>
               <a:pPr/>
-              <a:t>2020/9/5</a:t>
+              <a:t>2020/9/6</a:t>
             </a:fld>
             <a:endParaRPr lang="zh-TW" altLang="en-US"/>
           </a:p>
@@ -16340,7 +16310,7 @@
                   <a:srgbClr val="FFFF00"/>
                 </a:solidFill>
               </a:rPr>
-              <a:t>56.1 Make Taxi Environment </a:t>
+              <a:t>57.1 Make Taxi Environment </a:t>
             </a:r>
             <a:endParaRPr lang="zh-TW" altLang="en-US" b="1" dirty="0">
               <a:solidFill>
@@ -16728,7 +16698,7 @@
                   <a:srgbClr val="FFFF00"/>
                 </a:solidFill>
               </a:rPr>
-              <a:t>56.1 Make Taxi Environment </a:t>
+              <a:t>57.1 Make Taxi Environment </a:t>
             </a:r>
             <a:endParaRPr lang="zh-TW" altLang="en-US" b="1" dirty="0">
               <a:solidFill>
@@ -17080,7 +17050,7 @@
                   <a:srgbClr val="FFFF00"/>
                 </a:solidFill>
               </a:rPr>
-              <a:t>56.1 Make Taxi Environment </a:t>
+              <a:t>57.1 Make Taxi Environment </a:t>
             </a:r>
             <a:endParaRPr lang="zh-TW" altLang="en-US" b="1" dirty="0">
               <a:solidFill>
